--- a/data_science_ga/DATR-April-2020/lessons/required/working-with-api-data/slides/intro-to-apis.pptx
+++ b/data_science_ga/DATR-April-2020/lessons/required/working-with-api-data/slides/intro-to-apis.pptx
@@ -5,15 +5,14 @@
     <p:sldMasterId id="2147483648" r:id="rId1"/>
   </p:sldMasterIdLst>
   <p:notesMasterIdLst>
-    <p:notesMasterId r:id="rId8"/>
+    <p:notesMasterId r:id="rId7"/>
   </p:notesMasterIdLst>
   <p:sldIdLst>
-    <p:sldId id="256" r:id="rId2"/>
-    <p:sldId id="323" r:id="rId3"/>
-    <p:sldId id="317" r:id="rId4"/>
-    <p:sldId id="318" r:id="rId5"/>
-    <p:sldId id="319" r:id="rId6"/>
-    <p:sldId id="321" r:id="rId7"/>
+    <p:sldId id="323" r:id="rId2"/>
+    <p:sldId id="317" r:id="rId3"/>
+    <p:sldId id="318" r:id="rId4"/>
+    <p:sldId id="319" r:id="rId5"/>
+    <p:sldId id="321" r:id="rId6"/>
   </p:sldIdLst>
   <p:sldSz cx="13004800" cy="7302500"/>
   <p:notesSz cx="6858000" cy="9144000"/>
@@ -448,7 +447,7 @@
           <a:bodyPr/>
           <a:lstStyle/>
           <a:p>
-            <a:endParaRPr lang="en-US" dirty="0" smtClean="0"/>
+            <a:endParaRPr lang="en-US" dirty="0"/>
           </a:p>
           <a:p>
             <a:endParaRPr lang="en-US" dirty="0"/>
@@ -517,7 +516,7 @@
           <a:bodyPr/>
           <a:lstStyle/>
           <a:p>
-            <a:endParaRPr lang="en-US" dirty="0" smtClean="0"/>
+            <a:endParaRPr lang="en-US" dirty="0"/>
           </a:p>
           <a:p>
             <a:endParaRPr lang="en-US" dirty="0"/>
@@ -586,7 +585,7 @@
           <a:bodyPr/>
           <a:lstStyle/>
           <a:p>
-            <a:endParaRPr lang="en-US" dirty="0" smtClean="0"/>
+            <a:endParaRPr lang="en-US" dirty="0"/>
           </a:p>
           <a:p>
             <a:endParaRPr lang="en-US" dirty="0"/>
@@ -656,46 +655,46 @@
           <a:lstStyle/>
           <a:p>
             <a:r>
-              <a:rPr lang="en-US" dirty="0" smtClean="0"/>
+              <a:rPr lang="en-US" dirty="0"/>
               <a:t>From</a:t>
             </a:r>
             <a:r>
-              <a:rPr lang="en-US" baseline="0" dirty="0" smtClean="0"/>
+              <a:rPr lang="en-US" baseline="0" dirty="0"/>
               <a:t>: http://</a:t>
             </a:r>
             <a:r>
-              <a:rPr lang="en-US" baseline="0" dirty="0" err="1" smtClean="0"/>
+              <a:rPr lang="en-US" baseline="0" dirty="0" err="1"/>
               <a:t>www.forbes.com</a:t>
             </a:r>
             <a:r>
-              <a:rPr lang="en-US" baseline="0" dirty="0" smtClean="0"/>
+              <a:rPr lang="en-US" baseline="0" dirty="0"/>
               <a:t>/sites/</a:t>
             </a:r>
             <a:r>
-              <a:rPr lang="en-US" baseline="0" dirty="0" err="1" smtClean="0"/>
+              <a:rPr lang="en-US" baseline="0" dirty="0" err="1"/>
               <a:t>danwoods</a:t>
             </a:r>
             <a:r>
-              <a:rPr lang="en-US" baseline="0" dirty="0" smtClean="0"/>
+              <a:rPr lang="en-US" baseline="0" dirty="0"/>
               <a:t>/2011/12/15/explaining-the-</a:t>
             </a:r>
             <a:r>
-              <a:rPr lang="en-US" baseline="0" dirty="0" err="1" smtClean="0"/>
+              <a:rPr lang="en-US" baseline="0" dirty="0" err="1"/>
               <a:t>api</a:t>
             </a:r>
             <a:r>
-              <a:rPr lang="en-US" baseline="0" dirty="0" smtClean="0"/>
+              <a:rPr lang="en-US" baseline="0" dirty="0"/>
               <a:t>-revolution-to-your-</a:t>
             </a:r>
             <a:r>
-              <a:rPr lang="en-US" baseline="0" dirty="0" err="1" smtClean="0"/>
+              <a:rPr lang="en-US" baseline="0" dirty="0" err="1"/>
               <a:t>ceo</a:t>
             </a:r>
             <a:r>
-              <a:rPr lang="en-US" baseline="0" dirty="0" smtClean="0"/>
+              <a:rPr lang="en-US" baseline="0" dirty="0"/>
               <a:t>/#43ed411a4b00</a:t>
             </a:r>
-            <a:endParaRPr lang="en-US" dirty="0" smtClean="0"/>
+            <a:endParaRPr lang="en-US" dirty="0"/>
           </a:p>
           <a:p>
             <a:endParaRPr lang="en-US" dirty="0"/>
@@ -716,154 +715,6 @@
 </file>
 
 <file path=ppt/slideLayouts/slideLayout1.xml><?xml version="1.0" encoding="utf-8"?>
-<p:sldLayout xmlns:a="http://schemas.openxmlformats.org/drawingml/2006/main" xmlns:r="http://schemas.openxmlformats.org/officeDocument/2006/relationships" xmlns:p="http://schemas.openxmlformats.org/presentationml/2006/main" showMasterSp="0" type="tx">
-  <p:cSld name="Title">
-    <p:bg>
-      <p:bgPr>
-        <a:solidFill>
-          <a:srgbClr val="000000"/>
-        </a:solidFill>
-        <a:effectLst/>
-      </p:bgPr>
-    </p:bg>
-    <p:spTree>
-      <p:nvGrpSpPr>
-        <p:cNvPr id="1" name=""/>
-        <p:cNvGrpSpPr/>
-        <p:nvPr/>
-      </p:nvGrpSpPr>
-      <p:grpSpPr>
-        <a:xfrm>
-          <a:off x="0" y="0"/>
-          <a:ext cx="0" cy="0"/>
-          <a:chOff x="0" y="0"/>
-          <a:chExt cx="0" cy="0"/>
-        </a:xfrm>
-      </p:grpSpPr>
-      <p:sp>
-        <p:nvSpPr>
-          <p:cNvPr id="7" name="Shape 7"/>
-          <p:cNvSpPr/>
-          <p:nvPr/>
-        </p:nvSpPr>
-        <p:spPr>
-          <a:xfrm>
-            <a:off x="635000" y="635000"/>
-            <a:ext cx="11734800" cy="11"/>
-          </a:xfrm>
-          <a:prstGeom prst="line">
-            <a:avLst/>
-          </a:prstGeom>
-          <a:ln w="12700">
-            <a:solidFill>
-              <a:srgbClr val="FFFFFF"/>
-            </a:solidFill>
-            <a:miter lim="400000"/>
-          </a:ln>
-        </p:spPr>
-        <p:txBody>
-          <a:bodyPr lIns="0" tIns="0" rIns="0" bIns="0"/>
-          <a:lstStyle/>
-          <a:p>
-            <a:pPr lvl="0" defTabSz="457200">
-              <a:buClrTx/>
-              <a:defRPr sz="1200">
-                <a:solidFill>
-                  <a:srgbClr val="000000"/>
-                </a:solidFill>
-                <a:uFillTx/>
-                <a:latin typeface="Helvetica"/>
-                <a:ea typeface="Helvetica"/>
-                <a:cs typeface="Helvetica"/>
-                <a:sym typeface="Helvetica"/>
-              </a:defRPr>
-            </a:pPr>
-            <a:endParaRPr/>
-          </a:p>
-        </p:txBody>
-      </p:sp>
-      <p:sp>
-        <p:nvSpPr>
-          <p:cNvPr id="8" name="Shape 8"/>
-          <p:cNvSpPr/>
-          <p:nvPr/>
-        </p:nvSpPr>
-        <p:spPr>
-          <a:xfrm>
-            <a:off x="635000" y="1219200"/>
-            <a:ext cx="11734800" cy="11"/>
-          </a:xfrm>
-          <a:prstGeom prst="line">
-            <a:avLst/>
-          </a:prstGeom>
-          <a:ln w="12700">
-            <a:solidFill>
-              <a:srgbClr val="FFFFFF"/>
-            </a:solidFill>
-            <a:miter lim="400000"/>
-          </a:ln>
-        </p:spPr>
-        <p:txBody>
-          <a:bodyPr lIns="0" tIns="0" rIns="0" bIns="0"/>
-          <a:lstStyle/>
-          <a:p>
-            <a:pPr lvl="0" defTabSz="457200">
-              <a:buClrTx/>
-              <a:defRPr sz="1200">
-                <a:solidFill>
-                  <a:srgbClr val="000000"/>
-                </a:solidFill>
-                <a:uFillTx/>
-                <a:latin typeface="Helvetica"/>
-                <a:ea typeface="Helvetica"/>
-                <a:cs typeface="Helvetica"/>
-                <a:sym typeface="Helvetica"/>
-              </a:defRPr>
-            </a:pPr>
-            <a:endParaRPr/>
-          </a:p>
-        </p:txBody>
-      </p:sp>
-      <p:pic>
-        <p:nvPicPr>
-          <p:cNvPr id="9" name="Picture 8" descr="GA_primary_horiz_rev.png"/>
-          <p:cNvPicPr>
-            <a:picLocks noChangeAspect="1"/>
-          </p:cNvPicPr>
-          <p:nvPr userDrawn="1"/>
-        </p:nvPicPr>
-        <p:blipFill>
-          <a:blip r:embed="rId2">
-            <a:extLst>
-              <a:ext uri="{28A0092B-C50C-407E-A947-70E740481C1C}">
-                <a14:useLocalDpi xmlns:a14="http://schemas.microsoft.com/office/drawing/2010/main" val="0"/>
-              </a:ext>
-            </a:extLst>
-          </a:blip>
-          <a:stretch>
-            <a:fillRect/>
-          </a:stretch>
-        </p:blipFill>
-        <p:spPr>
-          <a:xfrm>
-            <a:off x="561020" y="681475"/>
-            <a:ext cx="2586633" cy="440697"/>
-          </a:xfrm>
-          <a:prstGeom prst="rect">
-            <a:avLst/>
-          </a:prstGeom>
-        </p:spPr>
-      </p:pic>
-    </p:spTree>
-  </p:cSld>
-  <p:clrMapOvr>
-    <a:masterClrMapping/>
-  </p:clrMapOvr>
-  <p:transition spd="med"/>
-</p:sldLayout>
-</file>
-
-<file path=ppt/slideLayouts/slideLayout2.xml><?xml version="1.0" encoding="utf-8"?>
 <p:sldLayout xmlns:a="http://schemas.openxmlformats.org/drawingml/2006/main" xmlns:r="http://schemas.openxmlformats.org/officeDocument/2006/relationships" xmlns:p="http://schemas.openxmlformats.org/presentationml/2006/main" type="tx">
   <p:cSld name="Agenda">
     <p:spTree>
@@ -889,7 +740,7 @@
 </p:sldLayout>
 </file>
 
-<file path=ppt/slideLayouts/slideLayout3.xml><?xml version="1.0" encoding="utf-8"?>
+<file path=ppt/slideLayouts/slideLayout2.xml><?xml version="1.0" encoding="utf-8"?>
 <p:sldLayout xmlns:a="http://schemas.openxmlformats.org/drawingml/2006/main" xmlns:r="http://schemas.openxmlformats.org/officeDocument/2006/relationships" xmlns:p="http://schemas.openxmlformats.org/presentationml/2006/main" type="tx">
   <p:cSld name="Bio w/o Pic">
     <p:spTree>
@@ -925,7 +776,7 @@
           </a:ln>
           <a:extLst>
             <a:ext uri="{C572A759-6A51-4108-AA02-DFA0A04FC94B}">
-              <ma14:wrappingTextBoxFlag xmlns:ma14="http://schemas.microsoft.com/office/mac/drawingml/2011/main" val="1"/>
+              <ma14:wrappingTextBoxFlag xmlns:ma14="http://schemas.microsoft.com/office/mac/drawingml/2011/main" xmlns="" val="1"/>
             </a:ext>
           </a:extLst>
         </p:spPr>
@@ -980,7 +831,7 @@
 </p:sldLayout>
 </file>
 
-<file path=ppt/slideLayouts/slideLayout4.xml><?xml version="1.0" encoding="utf-8"?>
+<file path=ppt/slideLayouts/slideLayout3.xml><?xml version="1.0" encoding="utf-8"?>
 <p:sldLayout xmlns:a="http://schemas.openxmlformats.org/drawingml/2006/main" xmlns:r="http://schemas.openxmlformats.org/officeDocument/2006/relationships" xmlns:p="http://schemas.openxmlformats.org/presentationml/2006/main" showMasterSp="0" type="tx">
   <p:cSld name="Bio w/ Pic">
     <p:spTree>
@@ -1096,7 +947,7 @@
           </a:ln>
           <a:extLst>
             <a:ext uri="{C572A759-6A51-4108-AA02-DFA0A04FC94B}">
-              <ma14:wrappingTextBoxFlag xmlns:ma14="http://schemas.microsoft.com/office/mac/drawingml/2011/main" val="1"/>
+              <ma14:wrappingTextBoxFlag xmlns:ma14="http://schemas.microsoft.com/office/mac/drawingml/2011/main" xmlns="" val="1"/>
             </a:ext>
           </a:extLst>
         </p:spPr>
@@ -1153,7 +1004,7 @@
 </p:sldLayout>
 </file>
 
-<file path=ppt/slideLayouts/slideLayout5.xml><?xml version="1.0" encoding="utf-8"?>
+<file path=ppt/slideLayouts/slideLayout4.xml><?xml version="1.0" encoding="utf-8"?>
 <p:sldLayout xmlns:a="http://schemas.openxmlformats.org/drawingml/2006/main" xmlns:r="http://schemas.openxmlformats.org/officeDocument/2006/relationships" xmlns:p="http://schemas.openxmlformats.org/presentationml/2006/main" showMasterSp="0" type="tx">
   <p:cSld name="Full Image">
     <p:spTree>
@@ -1383,7 +1234,7 @@
           </a:ln>
           <a:extLst>
             <a:ext uri="{C572A759-6A51-4108-AA02-DFA0A04FC94B}">
-              <ma14:wrappingTextBoxFlag xmlns:ma14="http://schemas.microsoft.com/office/mac/drawingml/2011/main" val="1"/>
+              <ma14:wrappingTextBoxFlag xmlns:ma14="http://schemas.microsoft.com/office/mac/drawingml/2011/main" xmlns="" val="1"/>
             </a:ext>
           </a:extLst>
         </p:spPr>
@@ -1435,11 +1286,10 @@
   </p:cSld>
   <p:clrMap bg1="dk1" tx1="lt1" bg2="dk2" tx2="lt2" accent1="accent1" accent2="accent2" accent3="accent3" accent4="accent4" accent5="accent5" accent6="accent6" hlink="hlink" folHlink="folHlink"/>
   <p:sldLayoutIdLst>
-    <p:sldLayoutId id="2147483649" r:id="rId1"/>
-    <p:sldLayoutId id="2147483650" r:id="rId2"/>
-    <p:sldLayoutId id="2147483651" r:id="rId3"/>
-    <p:sldLayoutId id="2147483652" r:id="rId4"/>
-    <p:sldLayoutId id="2147483660" r:id="rId5"/>
+    <p:sldLayoutId id="2147483650" r:id="rId1"/>
+    <p:sldLayoutId id="2147483651" r:id="rId2"/>
+    <p:sldLayoutId id="2147483652" r:id="rId3"/>
+    <p:sldLayoutId id="2147483660" r:id="rId4"/>
   </p:sldLayoutIdLst>
   <p:transition spd="med"/>
   <p:txStyles>
@@ -1904,267 +1754,6 @@
       </p:grpSpPr>
       <p:sp>
         <p:nvSpPr>
-          <p:cNvPr id="47" name="Shape 47"/>
-          <p:cNvSpPr/>
-          <p:nvPr/>
-        </p:nvSpPr>
-        <p:spPr>
-          <a:xfrm>
-            <a:off x="635000" y="635000"/>
-            <a:ext cx="11734800" cy="11"/>
-          </a:xfrm>
-          <a:prstGeom prst="line">
-            <a:avLst/>
-          </a:prstGeom>
-          <a:ln w="12700">
-            <a:solidFill>
-              <a:srgbClr val="FFFFFF"/>
-            </a:solidFill>
-            <a:miter lim="400000"/>
-          </a:ln>
-        </p:spPr>
-        <p:txBody>
-          <a:bodyPr lIns="0" tIns="0" rIns="0" bIns="0"/>
-          <a:lstStyle/>
-          <a:p>
-            <a:pPr lvl="0" defTabSz="457200">
-              <a:buClrTx/>
-              <a:defRPr sz="1200">
-                <a:solidFill>
-                  <a:srgbClr val="000000"/>
-                </a:solidFill>
-                <a:uFillTx/>
-                <a:latin typeface="Helvetica"/>
-                <a:ea typeface="Helvetica"/>
-                <a:cs typeface="Helvetica"/>
-                <a:sym typeface="Helvetica"/>
-              </a:defRPr>
-            </a:pPr>
-            <a:endParaRPr/>
-          </a:p>
-        </p:txBody>
-      </p:sp>
-      <p:sp>
-        <p:nvSpPr>
-          <p:cNvPr id="48" name="Shape 48"/>
-          <p:cNvSpPr/>
-          <p:nvPr/>
-        </p:nvSpPr>
-        <p:spPr>
-          <a:xfrm>
-            <a:off x="635000" y="1219200"/>
-            <a:ext cx="11734800" cy="11"/>
-          </a:xfrm>
-          <a:prstGeom prst="line">
-            <a:avLst/>
-          </a:prstGeom>
-          <a:ln w="12700">
-            <a:solidFill>
-              <a:srgbClr val="FFFFFF"/>
-            </a:solidFill>
-            <a:miter lim="400000"/>
-          </a:ln>
-        </p:spPr>
-        <p:txBody>
-          <a:bodyPr lIns="0" tIns="0" rIns="0" bIns="0"/>
-          <a:lstStyle/>
-          <a:p>
-            <a:pPr lvl="0" defTabSz="457200">
-              <a:buClrTx/>
-              <a:defRPr sz="1200">
-                <a:solidFill>
-                  <a:srgbClr val="000000"/>
-                </a:solidFill>
-                <a:uFillTx/>
-                <a:latin typeface="Helvetica"/>
-                <a:ea typeface="Helvetica"/>
-                <a:cs typeface="Helvetica"/>
-                <a:sym typeface="Helvetica"/>
-              </a:defRPr>
-            </a:pPr>
-            <a:endParaRPr/>
-          </a:p>
-        </p:txBody>
-      </p:sp>
-      <p:sp>
-        <p:nvSpPr>
-          <p:cNvPr id="49" name="Shape 49"/>
-          <p:cNvSpPr/>
-          <p:nvPr/>
-        </p:nvSpPr>
-        <p:spPr>
-          <a:xfrm>
-            <a:off x="635000" y="1824761"/>
-            <a:ext cx="11734800" cy="1963423"/>
-          </a:xfrm>
-          <a:prstGeom prst="rect">
-            <a:avLst/>
-          </a:prstGeom>
-          <a:ln w="12700">
-            <a:miter lim="400000"/>
-          </a:ln>
-          <a:extLst>
-            <a:ext uri="{C572A759-6A51-4108-AA02-DFA0A04FC94B}">
-              <ma14:wrappingTextBoxFlag xmlns:ma14="http://schemas.microsoft.com/office/mac/drawingml/2011/main" val="1"/>
-            </a:ext>
-          </a:extLst>
-        </p:spPr>
-        <p:txBody>
-          <a:bodyPr lIns="0" tIns="0" rIns="0" bIns="0">
-            <a:spAutoFit/>
-          </a:bodyPr>
-          <a:lstStyle>
-            <a:lvl1pPr>
-              <a:lnSpc>
-                <a:spcPct val="65000"/>
-              </a:lnSpc>
-              <a:defRPr sz="12700" b="1" cap="all" spc="-254">
-                <a:latin typeface="+mj-lt"/>
-                <a:ea typeface="+mj-ea"/>
-                <a:cs typeface="+mj-cs"/>
-                <a:sym typeface="PFDinTextCompPro-Regular"/>
-              </a:defRPr>
-            </a:lvl1pPr>
-          </a:lstStyle>
-          <a:p>
-            <a:pPr lvl="0">
-              <a:defRPr sz="1800" b="0" cap="none" spc="0">
-                <a:solidFill>
-                  <a:srgbClr val="000000"/>
-                </a:solidFill>
-                <a:uFillTx/>
-              </a:defRPr>
-            </a:pPr>
-            <a:r>
-              <a:rPr lang="en-US" sz="9600" b="1" cap="all" spc="-254" dirty="0" smtClean="0">
-                <a:solidFill>
-                  <a:srgbClr val="FFFFFF"/>
-                </a:solidFill>
-                <a:uFill>
-                  <a:solidFill>
-                    <a:srgbClr val="FFFFFF"/>
-                  </a:solidFill>
-                </a:uFill>
-              </a:rPr>
-              <a:t>Working with APIs in python</a:t>
-            </a:r>
-            <a:endParaRPr sz="9600" b="1" cap="all" spc="-254" dirty="0">
-              <a:solidFill>
-                <a:srgbClr val="FFFFFF"/>
-              </a:solidFill>
-              <a:uFill>
-                <a:solidFill>
-                  <a:srgbClr val="FFFFFF"/>
-                </a:solidFill>
-              </a:uFill>
-            </a:endParaRPr>
-          </a:p>
-        </p:txBody>
-      </p:sp>
-      <p:sp>
-        <p:nvSpPr>
-          <p:cNvPr id="50" name="Shape 50"/>
-          <p:cNvSpPr/>
-          <p:nvPr/>
-        </p:nvSpPr>
-        <p:spPr>
-          <a:xfrm>
-            <a:off x="635000" y="6172200"/>
-            <a:ext cx="11734800" cy="400110"/>
-          </a:xfrm>
-          <a:prstGeom prst="rect">
-            <a:avLst/>
-          </a:prstGeom>
-          <a:ln w="12700">
-            <a:miter lim="400000"/>
-          </a:ln>
-          <a:extLst>
-            <a:ext uri="{C572A759-6A51-4108-AA02-DFA0A04FC94B}">
-              <ma14:wrappingTextBoxFlag xmlns:ma14="http://schemas.microsoft.com/office/mac/drawingml/2011/main" val="1"/>
-            </a:ext>
-          </a:extLst>
-        </p:spPr>
-        <p:txBody>
-          <a:bodyPr lIns="0" tIns="0" rIns="0" bIns="0">
-            <a:spAutoFit/>
-          </a:bodyPr>
-          <a:lstStyle>
-            <a:lvl1pPr>
-              <a:lnSpc>
-                <a:spcPct val="110000"/>
-              </a:lnSpc>
-            </a:lvl1pPr>
-          </a:lstStyle>
-          <a:p>
-            <a:pPr lvl="0">
-              <a:defRPr sz="1800">
-                <a:solidFill>
-                  <a:srgbClr val="000000"/>
-                </a:solidFill>
-                <a:uFillTx/>
-              </a:defRPr>
-            </a:pPr>
-            <a:r>
-              <a:rPr lang="en-US" sz="2400" dirty="0" smtClean="0">
-                <a:solidFill>
-                  <a:srgbClr val="FFFFFF"/>
-                </a:solidFill>
-                <a:uFill>
-                  <a:solidFill>
-                    <a:srgbClr val="FFFFFF"/>
-                  </a:solidFill>
-                </a:uFill>
-              </a:rPr>
-              <a:t>Joseph Nelson, Data Science Immersive</a:t>
-            </a:r>
-            <a:endParaRPr sz="2400" dirty="0">
-              <a:solidFill>
-                <a:srgbClr val="FFFFFF"/>
-              </a:solidFill>
-              <a:uFill>
-                <a:solidFill>
-                  <a:srgbClr val="FFFFFF"/>
-                </a:solidFill>
-              </a:uFill>
-            </a:endParaRPr>
-          </a:p>
-        </p:txBody>
-      </p:sp>
-    </p:spTree>
-  </p:cSld>
-  <p:clrMapOvr>
-    <a:masterClrMapping/>
-  </p:clrMapOvr>
-  <p:transition spd="med"/>
-  <p:timing>
-    <p:tnLst>
-      <p:par>
-        <p:cTn id="1" dur="indefinite" restart="never" nodeType="tmRoot"/>
-      </p:par>
-    </p:tnLst>
-  </p:timing>
-</p:sld>
-</file>
-
-<file path=ppt/slides/slide2.xml><?xml version="1.0" encoding="utf-8"?>
-<p:sld xmlns:a="http://schemas.openxmlformats.org/drawingml/2006/main" xmlns:r="http://schemas.openxmlformats.org/officeDocument/2006/relationships" xmlns:p="http://schemas.openxmlformats.org/presentationml/2006/main">
-  <p:cSld>
-    <p:spTree>
-      <p:nvGrpSpPr>
-        <p:cNvPr id="1" name=""/>
-        <p:cNvGrpSpPr/>
-        <p:nvPr/>
-      </p:nvGrpSpPr>
-      <p:grpSpPr>
-        <a:xfrm>
-          <a:off x="0" y="0"/>
-          <a:ext cx="0" cy="0"/>
-          <a:chOff x="0" y="0"/>
-          <a:chExt cx="0" cy="0"/>
-        </a:xfrm>
-      </p:grpSpPr>
-      <p:sp>
-        <p:nvSpPr>
           <p:cNvPr id="65" name="Shape 65"/>
           <p:cNvSpPr/>
           <p:nvPr/>
@@ -2199,7 +1788,7 @@
                 <a:sym typeface="Helvetica"/>
               </a:defRPr>
             </a:pPr>
-            <a:endParaRPr/>
+            <a:endParaRPr dirty="0"/>
           </a:p>
         </p:txBody>
       </p:sp>
@@ -2239,7 +1828,7 @@
                 <a:sym typeface="Helvetica"/>
               </a:defRPr>
             </a:pPr>
-            <a:endParaRPr/>
+            <a:endParaRPr dirty="0"/>
           </a:p>
         </p:txBody>
       </p:sp>
@@ -2262,7 +1851,7 @@
           </a:ln>
           <a:extLst>
             <a:ext uri="{C572A759-6A51-4108-AA02-DFA0A04FC94B}">
-              <ma14:wrappingTextBoxFlag xmlns:ma14="http://schemas.microsoft.com/office/mac/drawingml/2011/main" val="1"/>
+              <ma14:wrappingTextBoxFlag xmlns:ma14="http://schemas.microsoft.com/office/mac/drawingml/2011/main" xmlns="" val="1"/>
             </a:ext>
           </a:extLst>
         </p:spPr>
@@ -2299,14 +1888,11 @@
                 <a:uFillTx/>
               </a:defRPr>
             </a:pPr>
-            <a:r>
-              <a:rPr sz="2800" b="1" cap="all" spc="-56" dirty="0">
-                <a:uFill>
-                  <a:solidFill/>
-                </a:uFill>
-              </a:rPr>
-              <a:t>Agenda</a:t>
-            </a:r>
+            <a:endParaRPr sz="2800" b="1" cap="all" spc="-56" dirty="0">
+              <a:uFill>
+                <a:solidFill/>
+              </a:uFill>
+            </a:endParaRPr>
           </a:p>
         </p:txBody>
       </p:sp>
@@ -2329,7 +1915,7 @@
           </a:ln>
           <a:extLst>
             <a:ext uri="{C572A759-6A51-4108-AA02-DFA0A04FC94B}">
-              <ma14:wrappingTextBoxFlag xmlns:ma14="http://schemas.microsoft.com/office/mac/drawingml/2011/main" val="1"/>
+              <ma14:wrappingTextBoxFlag xmlns:ma14="http://schemas.microsoft.com/office/mac/drawingml/2011/main" xmlns="" val="1"/>
             </a:ext>
           </a:extLst>
         </p:spPr>
@@ -2356,14 +1942,14 @@
               </a:defRPr>
             </a:pPr>
             <a:r>
-              <a:rPr lang="en-US" sz="2500" b="1" dirty="0" smtClean="0">
+              <a:rPr lang="en-US" sz="2500" b="1" dirty="0">
                 <a:uFill>
                   <a:solidFill/>
                 </a:uFill>
               </a:rPr>
               <a:t>LEARNING OBJECTIVES:</a:t>
             </a:r>
-            <a:endParaRPr lang="en-US" sz="2500" dirty="0" smtClean="0">
+            <a:endParaRPr lang="en-US" sz="2500" dirty="0">
               <a:uFill>
                 <a:solidFill/>
               </a:uFill>
@@ -2414,7 +2000,7 @@
               </a:defRPr>
             </a:pPr>
             <a:r>
-              <a:rPr lang="en-US" sz="2500" dirty="0" smtClean="0">
+              <a:rPr lang="en-US" sz="2500" dirty="0">
                 <a:uFill>
                   <a:solidFill/>
                 </a:uFill>
@@ -2442,7 +2028,7 @@
               </a:defRPr>
             </a:pPr>
             <a:r>
-              <a:rPr lang="en-US" sz="2500" dirty="0" smtClean="0">
+              <a:rPr lang="en-US" sz="2500" dirty="0">
                 <a:uFill>
                   <a:solidFill/>
                 </a:uFill>
@@ -2470,26 +2056,13 @@
               </a:defRPr>
             </a:pPr>
             <a:r>
-              <a:rPr lang="en-US" sz="2500" dirty="0" smtClean="0">
+              <a:rPr lang="en-US" sz="2500" dirty="0">
                 <a:uFill>
                   <a:solidFill/>
                 </a:uFill>
               </a:rPr>
-              <a:t>Understand the basics of data types in </a:t>
+              <a:t>Understand the basics of data types in Python</a:t>
             </a:r>
-            <a:r>
-              <a:rPr lang="en-US" sz="2500" dirty="0" smtClean="0">
-                <a:uFill>
-                  <a:solidFill/>
-                </a:uFill>
-              </a:rPr>
-              <a:t>Python</a:t>
-            </a:r>
-            <a:endParaRPr lang="en-US" sz="2500" dirty="0" smtClean="0">
-              <a:uFill>
-                <a:solidFill/>
-              </a:uFill>
-            </a:endParaRPr>
           </a:p>
         </p:txBody>
       </p:sp>
@@ -2504,13 +2077,365 @@
     <a:masterClrMapping/>
   </p:clrMapOvr>
   <p:transition spd="med"/>
-  <p:timing>
-    <p:tnLst>
-      <p:par>
-        <p:cTn id="1" dur="indefinite" restart="never" nodeType="tmRoot"/>
-      </p:par>
-    </p:tnLst>
-  </p:timing>
+</p:sld>
+</file>
+
+<file path=ppt/slides/slide2.xml><?xml version="1.0" encoding="utf-8"?>
+<p:sld xmlns:a="http://schemas.openxmlformats.org/drawingml/2006/main" xmlns:r="http://schemas.openxmlformats.org/officeDocument/2006/relationships" xmlns:p="http://schemas.openxmlformats.org/presentationml/2006/main">
+  <p:cSld>
+    <p:spTree>
+      <p:nvGrpSpPr>
+        <p:cNvPr id="1" name=""/>
+        <p:cNvGrpSpPr/>
+        <p:nvPr/>
+      </p:nvGrpSpPr>
+      <p:grpSpPr>
+        <a:xfrm>
+          <a:off x="0" y="0"/>
+          <a:ext cx="0" cy="0"/>
+          <a:chOff x="0" y="0"/>
+          <a:chExt cx="0" cy="0"/>
+        </a:xfrm>
+      </p:grpSpPr>
+      <p:sp>
+        <p:nvSpPr>
+          <p:cNvPr id="131" name="Shape 131"/>
+          <p:cNvSpPr/>
+          <p:nvPr/>
+        </p:nvSpPr>
+        <p:spPr>
+          <a:xfrm>
+            <a:off x="635000" y="635000"/>
+            <a:ext cx="11734800" cy="11"/>
+          </a:xfrm>
+          <a:prstGeom prst="line">
+            <a:avLst/>
+          </a:prstGeom>
+          <a:ln w="12700">
+            <a:solidFill/>
+            <a:miter lim="400000"/>
+          </a:ln>
+        </p:spPr>
+        <p:txBody>
+          <a:bodyPr lIns="0" tIns="0" rIns="0" bIns="0"/>
+          <a:lstStyle/>
+          <a:p>
+            <a:pPr lvl="0" defTabSz="457200">
+              <a:buClrTx/>
+              <a:defRPr sz="1200">
+                <a:solidFill>
+                  <a:srgbClr val="000000"/>
+                </a:solidFill>
+                <a:uFillTx/>
+                <a:latin typeface="Helvetica"/>
+                <a:ea typeface="Helvetica"/>
+                <a:cs typeface="Helvetica"/>
+                <a:sym typeface="Helvetica"/>
+              </a:defRPr>
+            </a:pPr>
+            <a:endParaRPr dirty="0"/>
+          </a:p>
+        </p:txBody>
+      </p:sp>
+      <p:sp>
+        <p:nvSpPr>
+          <p:cNvPr id="132" name="Shape 132"/>
+          <p:cNvSpPr/>
+          <p:nvPr/>
+        </p:nvSpPr>
+        <p:spPr>
+          <a:xfrm>
+            <a:off x="635000" y="1219200"/>
+            <a:ext cx="11734800" cy="11"/>
+          </a:xfrm>
+          <a:prstGeom prst="line">
+            <a:avLst/>
+          </a:prstGeom>
+          <a:ln w="12700">
+            <a:solidFill/>
+            <a:miter lim="400000"/>
+          </a:ln>
+        </p:spPr>
+        <p:txBody>
+          <a:bodyPr lIns="0" tIns="0" rIns="0" bIns="0"/>
+          <a:lstStyle/>
+          <a:p>
+            <a:pPr lvl="0" defTabSz="457200">
+              <a:buClrTx/>
+              <a:defRPr sz="1200">
+                <a:solidFill>
+                  <a:srgbClr val="000000"/>
+                </a:solidFill>
+                <a:uFillTx/>
+                <a:latin typeface="Helvetica"/>
+                <a:ea typeface="Helvetica"/>
+                <a:cs typeface="Helvetica"/>
+                <a:sym typeface="Helvetica"/>
+              </a:defRPr>
+            </a:pPr>
+            <a:endParaRPr dirty="0"/>
+          </a:p>
+        </p:txBody>
+      </p:sp>
+      <p:sp>
+        <p:nvSpPr>
+          <p:cNvPr id="133" name="Shape 133"/>
+          <p:cNvSpPr/>
+          <p:nvPr/>
+        </p:nvSpPr>
+        <p:spPr>
+          <a:xfrm>
+            <a:off x="634999" y="736599"/>
+            <a:ext cx="9562958" cy="482611"/>
+          </a:xfrm>
+          <a:prstGeom prst="rect">
+            <a:avLst/>
+          </a:prstGeom>
+          <a:ln w="12700">
+            <a:round/>
+          </a:ln>
+          <a:extLst>
+            <a:ext uri="{C572A759-6A51-4108-AA02-DFA0A04FC94B}">
+              <ma14:wrappingTextBoxFlag xmlns:ma14="http://schemas.microsoft.com/office/mac/drawingml/2011/main" xmlns="" val="1"/>
+            </a:ext>
+          </a:extLst>
+        </p:spPr>
+        <p:txBody>
+          <a:bodyPr lIns="0" tIns="0" rIns="0" bIns="0"/>
+          <a:lstStyle>
+            <a:lvl1pPr defTabSz="647700">
+              <a:lnSpc>
+                <a:spcPts val="3200"/>
+              </a:lnSpc>
+              <a:buClr>
+                <a:srgbClr val="000000"/>
+              </a:buClr>
+              <a:buFont typeface="PFDinTextCompPro-Regular"/>
+              <a:defRPr sz="2800" b="1" cap="all" spc="-56">
+                <a:solidFill>
+                  <a:srgbClr val="000000"/>
+                </a:solidFill>
+                <a:uFill>
+                  <a:solidFill>
+                    <a:srgbClr val="000000"/>
+                  </a:solidFill>
+                </a:uFill>
+                <a:latin typeface="+mj-lt"/>
+                <a:ea typeface="+mj-ea"/>
+                <a:cs typeface="+mj-cs"/>
+                <a:sym typeface="PFDinTextCompPro-Regular"/>
+              </a:defRPr>
+            </a:lvl1pPr>
+          </a:lstStyle>
+          <a:p>
+            <a:pPr lvl="0">
+              <a:defRPr sz="1800" b="0" cap="none" spc="0">
+                <a:uFillTx/>
+              </a:defRPr>
+            </a:pPr>
+            <a:r>
+              <a:rPr lang="en-US" sz="2800" b="1" cap="all" spc="-56" dirty="0">
+                <a:uFill>
+                  <a:solidFill/>
+                </a:uFill>
+              </a:rPr>
+              <a:t>What is an </a:t>
+            </a:r>
+            <a:r>
+              <a:rPr lang="en-US" sz="2800" b="1" cap="all" spc="-56" dirty="0" err="1">
+                <a:uFill>
+                  <a:solidFill/>
+                </a:uFill>
+              </a:rPr>
+              <a:t>api</a:t>
+            </a:r>
+            <a:r>
+              <a:rPr lang="en-US" sz="2800" b="1" cap="all" spc="-56" dirty="0">
+                <a:uFill>
+                  <a:solidFill/>
+                </a:uFill>
+              </a:rPr>
+              <a:t>?</a:t>
+            </a:r>
+            <a:endParaRPr sz="2800" b="1" cap="all" spc="-56" dirty="0">
+              <a:uFill>
+                <a:solidFill/>
+              </a:uFill>
+            </a:endParaRPr>
+          </a:p>
+        </p:txBody>
+      </p:sp>
+      <p:sp>
+        <p:nvSpPr>
+          <p:cNvPr id="10" name="Shape 86"/>
+          <p:cNvSpPr/>
+          <p:nvPr/>
+        </p:nvSpPr>
+        <p:spPr>
+          <a:xfrm>
+            <a:off x="851903" y="1648903"/>
+            <a:ext cx="9346054" cy="5124430"/>
+          </a:xfrm>
+          <a:prstGeom prst="rect">
+            <a:avLst/>
+          </a:prstGeom>
+          <a:ln w="12700">
+            <a:round/>
+          </a:ln>
+          <a:extLst>
+            <a:ext uri="{C572A759-6A51-4108-AA02-DFA0A04FC94B}">
+              <ma14:wrappingTextBoxFlag xmlns:ma14="http://schemas.microsoft.com/office/mac/drawingml/2011/main" xmlns="" val="1"/>
+            </a:ext>
+          </a:extLst>
+        </p:spPr>
+        <p:txBody>
+          <a:bodyPr lIns="0" tIns="0" rIns="0" bIns="0"/>
+          <a:lstStyle/>
+          <a:p>
+            <a:pPr marL="177800" lvl="5" indent="-177800" defTabSz="647700">
+              <a:lnSpc>
+                <a:spcPct val="110000"/>
+              </a:lnSpc>
+              <a:spcBef>
+                <a:spcPts val="400"/>
+              </a:spcBef>
+              <a:buClrTx/>
+              <a:buSzPct val="85000"/>
+              <a:buFont typeface="Lucida Grande"/>
+              <a:buChar char="‣"/>
+              <a:defRPr sz="1800">
+                <a:solidFill>
+                  <a:srgbClr val="000000"/>
+                </a:solidFill>
+                <a:uFillTx/>
+              </a:defRPr>
+            </a:pPr>
+            <a:endParaRPr lang="en-US" sz="3200" dirty="0">
+              <a:uFill>
+                <a:solidFill/>
+              </a:uFill>
+            </a:endParaRPr>
+          </a:p>
+          <a:p>
+            <a:pPr lvl="1" indent="0" defTabSz="647700">
+              <a:lnSpc>
+                <a:spcPct val="110000"/>
+              </a:lnSpc>
+              <a:spcBef>
+                <a:spcPts val="400"/>
+              </a:spcBef>
+              <a:buClrTx/>
+              <a:buSzPct val="85000"/>
+              <a:defRPr sz="1800">
+                <a:solidFill>
+                  <a:srgbClr val="000000"/>
+                </a:solidFill>
+                <a:uFillTx/>
+              </a:defRPr>
+            </a:pPr>
+            <a:endParaRPr sz="2500" dirty="0">
+              <a:uFill>
+                <a:solidFill/>
+              </a:uFill>
+            </a:endParaRPr>
+          </a:p>
+        </p:txBody>
+      </p:sp>
+      <p:sp>
+        <p:nvSpPr>
+          <p:cNvPr id="7" name="Shape 68"/>
+          <p:cNvSpPr/>
+          <p:nvPr/>
+        </p:nvSpPr>
+        <p:spPr>
+          <a:xfrm>
+            <a:off x="635000" y="2014995"/>
+            <a:ext cx="11489267" cy="3810000"/>
+          </a:xfrm>
+          <a:prstGeom prst="rect">
+            <a:avLst/>
+          </a:prstGeom>
+          <a:ln w="12700">
+            <a:round/>
+          </a:ln>
+          <a:extLst>
+            <a:ext uri="{C572A759-6A51-4108-AA02-DFA0A04FC94B}">
+              <ma14:wrappingTextBoxFlag xmlns:ma14="http://schemas.microsoft.com/office/mac/drawingml/2011/main" xmlns="" val="1"/>
+            </a:ext>
+          </a:extLst>
+        </p:spPr>
+        <p:txBody>
+          <a:bodyPr lIns="0" tIns="0" rIns="0" bIns="0"/>
+          <a:lstStyle/>
+          <a:p>
+            <a:pPr marL="177800" lvl="1" indent="-177800" defTabSz="647700">
+              <a:lnSpc>
+                <a:spcPct val="110000"/>
+              </a:lnSpc>
+              <a:spcBef>
+                <a:spcPts val="400"/>
+              </a:spcBef>
+              <a:buClrTx/>
+              <a:buSzPct val="85000"/>
+              <a:buFont typeface="Lucida Grande"/>
+              <a:buChar char="‣"/>
+              <a:defRPr sz="1800">
+                <a:solidFill>
+                  <a:srgbClr val="000000"/>
+                </a:solidFill>
+                <a:uFillTx/>
+              </a:defRPr>
+            </a:pPr>
+            <a:r>
+              <a:rPr lang="en-US" sz="2500" dirty="0">
+                <a:uFill>
+                  <a:solidFill/>
+                </a:uFill>
+              </a:rPr>
+              <a:t>Toss this out to the class: what is an API? Best guesses!</a:t>
+            </a:r>
+          </a:p>
+          <a:p>
+            <a:pPr marL="177800" lvl="1" indent="-177800" defTabSz="647700">
+              <a:lnSpc>
+                <a:spcPct val="110000"/>
+              </a:lnSpc>
+              <a:spcBef>
+                <a:spcPts val="400"/>
+              </a:spcBef>
+              <a:buClrTx/>
+              <a:buSzPct val="85000"/>
+              <a:buFont typeface="Lucida Grande"/>
+              <a:buChar char="‣"/>
+              <a:defRPr sz="1800">
+                <a:solidFill>
+                  <a:srgbClr val="000000"/>
+                </a:solidFill>
+                <a:uFillTx/>
+              </a:defRPr>
+            </a:pPr>
+            <a:endParaRPr lang="en-US" sz="2500" dirty="0">
+              <a:uFill>
+                <a:solidFill/>
+              </a:uFill>
+              <a:latin typeface="Courier" charset="0"/>
+              <a:ea typeface="Courier" charset="0"/>
+              <a:cs typeface="Courier" charset="0"/>
+            </a:endParaRPr>
+          </a:p>
+        </p:txBody>
+      </p:sp>
+    </p:spTree>
+    <p:extLst>
+      <p:ext uri="{BB962C8B-B14F-4D97-AF65-F5344CB8AC3E}">
+        <p14:creationId xmlns:p14="http://schemas.microsoft.com/office/powerpoint/2010/main" val="99189265"/>
+      </p:ext>
+    </p:extLst>
+  </p:cSld>
+  <p:clrMapOvr>
+    <a:masterClrMapping/>
+  </p:clrMapOvr>
+  <p:transition spd="med"/>
 </p:sld>
 </file>
 
@@ -2630,7 +2555,7 @@
           </a:ln>
           <a:extLst>
             <a:ext uri="{C572A759-6A51-4108-AA02-DFA0A04FC94B}">
-              <ma14:wrappingTextBoxFlag xmlns:ma14="http://schemas.microsoft.com/office/mac/drawingml/2011/main" val="1"/>
+              <ma14:wrappingTextBoxFlag xmlns:ma14="http://schemas.microsoft.com/office/mac/drawingml/2011/main" xmlns="" val="1"/>
             </a:ext>
           </a:extLst>
         </p:spPr>
@@ -2668,7 +2593,7 @@
               </a:defRPr>
             </a:pPr>
             <a:r>
-              <a:rPr lang="en-US" sz="2800" b="1" cap="all" spc="-56" dirty="0" smtClean="0">
+              <a:rPr lang="en-US" sz="2800" b="1" cap="all" spc="-56" dirty="0">
                 <a:uFill>
                   <a:solidFill/>
                 </a:uFill>
@@ -2676,7 +2601,7 @@
               <a:t>What is an </a:t>
             </a:r>
             <a:r>
-              <a:rPr lang="en-US" sz="2800" b="1" cap="all" spc="-56" dirty="0" err="1" smtClean="0">
+              <a:rPr lang="en-US" sz="2800" b="1" cap="all" spc="-56" dirty="0" err="1">
                 <a:uFill>
                   <a:solidFill/>
                 </a:uFill>
@@ -2684,7 +2609,7 @@
               <a:t>api</a:t>
             </a:r>
             <a:r>
-              <a:rPr lang="en-US" sz="2800" b="1" cap="all" spc="-56" dirty="0" smtClean="0">
+              <a:rPr lang="en-US" sz="2800" b="1" cap="all" spc="-56" dirty="0">
                 <a:uFill>
                   <a:solidFill/>
                 </a:uFill>
@@ -2718,7 +2643,7 @@
           </a:ln>
           <a:extLst>
             <a:ext uri="{C572A759-6A51-4108-AA02-DFA0A04FC94B}">
-              <ma14:wrappingTextBoxFlag xmlns:ma14="http://schemas.microsoft.com/office/mac/drawingml/2011/main" val="1"/>
+              <ma14:wrappingTextBoxFlag xmlns:ma14="http://schemas.microsoft.com/office/mac/drawingml/2011/main" xmlns="" val="1"/>
             </a:ext>
           </a:extLst>
         </p:spPr>
@@ -2744,7 +2669,7 @@
                 <a:uFillTx/>
               </a:defRPr>
             </a:pPr>
-            <a:endParaRPr lang="en-US" sz="3200" dirty="0" smtClean="0">
+            <a:endParaRPr lang="en-US" sz="3200" dirty="0">
               <a:uFill>
                 <a:solidFill/>
               </a:uFill>
@@ -2794,7 +2719,7 @@
           </a:ln>
           <a:extLst>
             <a:ext uri="{C572A759-6A51-4108-AA02-DFA0A04FC94B}">
-              <ma14:wrappingTextBoxFlag xmlns:ma14="http://schemas.microsoft.com/office/mac/drawingml/2011/main" val="1"/>
+              <ma14:wrappingTextBoxFlag xmlns:ma14="http://schemas.microsoft.com/office/mac/drawingml/2011/main" xmlns="" val="1"/>
             </a:ext>
           </a:extLst>
         </p:spPr>
@@ -2821,18 +2746,13 @@
               </a:defRPr>
             </a:pPr>
             <a:r>
-              <a:rPr lang="en-US" sz="2500" dirty="0" smtClean="0">
+              <a:rPr lang="en-US" sz="2500" dirty="0">
                 <a:uFill>
                   <a:solidFill/>
                 </a:uFill>
               </a:rPr>
-              <a:t>Toss this out to the class: what is an API? Best guesses!</a:t>
+              <a:t>An Application Programming Interface is a set of protocols, routines, and tools for building software applications.</a:t>
             </a:r>
-            <a:endParaRPr lang="en-US" sz="2500" dirty="0">
-              <a:uFill>
-                <a:solidFill/>
-              </a:uFill>
-            </a:endParaRPr>
           </a:p>
           <a:p>
             <a:pPr marL="177800" lvl="1" indent="-177800" defTabSz="647700">
@@ -2857,6 +2777,59 @@
               <a:uFill>
                 <a:solidFill/>
               </a:uFill>
+            </a:endParaRPr>
+          </a:p>
+          <a:p>
+            <a:pPr marL="177800" lvl="1" indent="-177800" defTabSz="647700">
+              <a:lnSpc>
+                <a:spcPct val="110000"/>
+              </a:lnSpc>
+              <a:spcBef>
+                <a:spcPts val="400"/>
+              </a:spcBef>
+              <a:buClrTx/>
+              <a:buSzPct val="85000"/>
+              <a:buFont typeface="Lucida Grande"/>
+              <a:buChar char="‣"/>
+              <a:defRPr sz="1800">
+                <a:solidFill>
+                  <a:srgbClr val="000000"/>
+                </a:solidFill>
+                <a:uFillTx/>
+              </a:defRPr>
+            </a:pPr>
+            <a:r>
+              <a:rPr lang="en-US" sz="2500" dirty="0">
+                <a:uFill>
+                  <a:solidFill/>
+                </a:uFill>
+              </a:rPr>
+              <a:t>They’re (partially) the reason a number of your favorite applications work. The ability for Uber to load Google Maps is a prime example!  </a:t>
+            </a:r>
+          </a:p>
+          <a:p>
+            <a:pPr marL="177800" lvl="1" indent="-177800" defTabSz="647700">
+              <a:lnSpc>
+                <a:spcPct val="110000"/>
+              </a:lnSpc>
+              <a:spcBef>
+                <a:spcPts val="400"/>
+              </a:spcBef>
+              <a:buClrTx/>
+              <a:buSzPct val="85000"/>
+              <a:buFont typeface="Lucida Grande"/>
+              <a:buChar char="‣"/>
+              <a:defRPr sz="1800">
+                <a:solidFill>
+                  <a:srgbClr val="000000"/>
+                </a:solidFill>
+                <a:uFillTx/>
+              </a:defRPr>
+            </a:pPr>
+            <a:endParaRPr lang="en-US" sz="2500" dirty="0">
+              <a:uFill>
+                <a:solidFill/>
+              </a:uFill>
               <a:latin typeface="Courier" charset="0"/>
               <a:ea typeface="Courier" charset="0"/>
               <a:cs typeface="Courier" charset="0"/>
@@ -2867,7 +2840,7 @@
     </p:spTree>
     <p:extLst>
       <p:ext uri="{BB962C8B-B14F-4D97-AF65-F5344CB8AC3E}">
-        <p14:creationId xmlns:p14="http://schemas.microsoft.com/office/powerpoint/2010/main" val="99189265"/>
+        <p14:creationId xmlns:p14="http://schemas.microsoft.com/office/powerpoint/2010/main" val="2035863006"/>
       </p:ext>
     </p:extLst>
   </p:cSld>
@@ -2875,13 +2848,6 @@
     <a:masterClrMapping/>
   </p:clrMapOvr>
   <p:transition spd="med"/>
-  <p:timing>
-    <p:tnLst>
-      <p:par>
-        <p:cTn id="1" dur="indefinite" restart="never" nodeType="tmRoot"/>
-      </p:par>
-    </p:tnLst>
-  </p:timing>
 </p:sld>
 </file>
 
@@ -3001,7 +2967,7 @@
           </a:ln>
           <a:extLst>
             <a:ext uri="{C572A759-6A51-4108-AA02-DFA0A04FC94B}">
-              <ma14:wrappingTextBoxFlag xmlns:ma14="http://schemas.microsoft.com/office/mac/drawingml/2011/main" val="1"/>
+              <ma14:wrappingTextBoxFlag xmlns:ma14="http://schemas.microsoft.com/office/mac/drawingml/2011/main" xmlns="" val="1"/>
             </a:ext>
           </a:extLst>
         </p:spPr>
@@ -3039,28 +3005,12 @@
               </a:defRPr>
             </a:pPr>
             <a:r>
-              <a:rPr lang="en-US" sz="2800" b="1" cap="all" spc="-56" dirty="0" smtClean="0">
+              <a:rPr lang="en-US" sz="2800" b="1" cap="all" spc="-56" dirty="0">
                 <a:uFill>
                   <a:solidFill/>
                 </a:uFill>
               </a:rPr>
-              <a:t>What is an </a:t>
-            </a:r>
-            <a:r>
-              <a:rPr lang="en-US" sz="2800" b="1" cap="all" spc="-56" dirty="0" err="1" smtClean="0">
-                <a:uFill>
-                  <a:solidFill/>
-                </a:uFill>
-              </a:rPr>
-              <a:t>api</a:t>
-            </a:r>
-            <a:r>
-              <a:rPr lang="en-US" sz="2800" b="1" cap="all" spc="-56" dirty="0" smtClean="0">
-                <a:uFill>
-                  <a:solidFill/>
-                </a:uFill>
-              </a:rPr>
-              <a:t>?</a:t>
+              <a:t>Why are APIs valuable?</a:t>
             </a:r>
             <a:endParaRPr sz="2800" b="1" cap="all" spc="-56" dirty="0">
               <a:uFill>
@@ -3089,7 +3039,7 @@
           </a:ln>
           <a:extLst>
             <a:ext uri="{C572A759-6A51-4108-AA02-DFA0A04FC94B}">
-              <ma14:wrappingTextBoxFlag xmlns:ma14="http://schemas.microsoft.com/office/mac/drawingml/2011/main" val="1"/>
+              <ma14:wrappingTextBoxFlag xmlns:ma14="http://schemas.microsoft.com/office/mac/drawingml/2011/main" xmlns="" val="1"/>
             </a:ext>
           </a:extLst>
         </p:spPr>
@@ -3115,7 +3065,7 @@
                 <a:uFillTx/>
               </a:defRPr>
             </a:pPr>
-            <a:endParaRPr lang="en-US" sz="3200" dirty="0" smtClean="0">
+            <a:endParaRPr lang="en-US" sz="3200" dirty="0">
               <a:uFill>
                 <a:solidFill/>
               </a:uFill>
@@ -3165,7 +3115,7 @@
           </a:ln>
           <a:extLst>
             <a:ext uri="{C572A759-6A51-4108-AA02-DFA0A04FC94B}">
-              <ma14:wrappingTextBoxFlag xmlns:ma14="http://schemas.microsoft.com/office/mac/drawingml/2011/main" val="1"/>
+              <ma14:wrappingTextBoxFlag xmlns:ma14="http://schemas.microsoft.com/office/mac/drawingml/2011/main" xmlns="" val="1"/>
             </a:ext>
           </a:extLst>
         </p:spPr>
@@ -3192,12 +3142,12 @@
               </a:defRPr>
             </a:pPr>
             <a:r>
-              <a:rPr lang="en-US" sz="2500" dirty="0" smtClean="0">
+              <a:rPr lang="en-US" sz="2500" dirty="0">
                 <a:uFill>
                   <a:solidFill/>
                 </a:uFill>
               </a:rPr>
-              <a:t>An Application Programming Interface is a set of protocols, routines, and tools for building software applications.</a:t>
+              <a:t>Class suggestions? Why?</a:t>
             </a:r>
           </a:p>
           <a:p>
@@ -3245,18 +3195,13 @@
               </a:defRPr>
             </a:pPr>
             <a:r>
-              <a:rPr lang="en-US" sz="2500" dirty="0" smtClean="0">
+              <a:rPr lang="en-US" sz="2500" dirty="0">
                 <a:uFill>
                   <a:solidFill/>
                 </a:uFill>
               </a:rPr>
-              <a:t>They’re (partially) the reason a number of your favorite applications work. The ability for Uber to load Google Maps is a prime example!  </a:t>
+              <a:t>From the standpoint of a company, why would you make it easier to access information you’ve worked hard to collect to make your product a success?</a:t>
             </a:r>
-            <a:endParaRPr lang="en-US" sz="2500" dirty="0">
-              <a:uFill>
-                <a:solidFill/>
-              </a:uFill>
-            </a:endParaRPr>
           </a:p>
           <a:p>
             <a:pPr marL="177800" lvl="1" indent="-177800" defTabSz="647700">
@@ -3291,7 +3236,7 @@
     </p:spTree>
     <p:extLst>
       <p:ext uri="{BB962C8B-B14F-4D97-AF65-F5344CB8AC3E}">
-        <p14:creationId xmlns:p14="http://schemas.microsoft.com/office/powerpoint/2010/main" val="2035863006"/>
+        <p14:creationId xmlns:p14="http://schemas.microsoft.com/office/powerpoint/2010/main" val="796453311"/>
       </p:ext>
     </p:extLst>
   </p:cSld>
@@ -3299,13 +3244,6 @@
     <a:masterClrMapping/>
   </p:clrMapOvr>
   <p:transition spd="med"/>
-  <p:timing>
-    <p:tnLst>
-      <p:par>
-        <p:cTn id="1" dur="indefinite" restart="never" nodeType="tmRoot"/>
-      </p:par>
-    </p:tnLst>
-  </p:timing>
 </p:sld>
 </file>
 
@@ -3425,7 +3363,7 @@
           </a:ln>
           <a:extLst>
             <a:ext uri="{C572A759-6A51-4108-AA02-DFA0A04FC94B}">
-              <ma14:wrappingTextBoxFlag xmlns:ma14="http://schemas.microsoft.com/office/mac/drawingml/2011/main" val="1"/>
+              <ma14:wrappingTextBoxFlag xmlns:ma14="http://schemas.microsoft.com/office/mac/drawingml/2011/main" xmlns="" val="1"/>
             </a:ext>
           </a:extLst>
         </p:spPr>
@@ -3463,7 +3401,7 @@
               </a:defRPr>
             </a:pPr>
             <a:r>
-              <a:rPr lang="en-US" sz="2800" b="1" cap="all" spc="-56" dirty="0" smtClean="0">
+              <a:rPr lang="en-US" sz="2800" b="1" cap="all" spc="-56" dirty="0">
                 <a:uFill>
                   <a:solidFill/>
                 </a:uFill>
@@ -3497,7 +3435,7 @@
           </a:ln>
           <a:extLst>
             <a:ext uri="{C572A759-6A51-4108-AA02-DFA0A04FC94B}">
-              <ma14:wrappingTextBoxFlag xmlns:ma14="http://schemas.microsoft.com/office/mac/drawingml/2011/main" val="1"/>
+              <ma14:wrappingTextBoxFlag xmlns:ma14="http://schemas.microsoft.com/office/mac/drawingml/2011/main" xmlns="" val="1"/>
             </a:ext>
           </a:extLst>
         </p:spPr>
@@ -3523,415 +3461,7 @@
                 <a:uFillTx/>
               </a:defRPr>
             </a:pPr>
-            <a:endParaRPr lang="en-US" sz="3200" dirty="0" smtClean="0">
-              <a:uFill>
-                <a:solidFill/>
-              </a:uFill>
-            </a:endParaRPr>
-          </a:p>
-          <a:p>
-            <a:pPr lvl="1" indent="0" defTabSz="647700">
-              <a:lnSpc>
-                <a:spcPct val="110000"/>
-              </a:lnSpc>
-              <a:spcBef>
-                <a:spcPts val="400"/>
-              </a:spcBef>
-              <a:buClrTx/>
-              <a:buSzPct val="85000"/>
-              <a:defRPr sz="1800">
-                <a:solidFill>
-                  <a:srgbClr val="000000"/>
-                </a:solidFill>
-                <a:uFillTx/>
-              </a:defRPr>
-            </a:pPr>
-            <a:endParaRPr sz="2500" dirty="0">
-              <a:uFill>
-                <a:solidFill/>
-              </a:uFill>
-            </a:endParaRPr>
-          </a:p>
-        </p:txBody>
-      </p:sp>
-      <p:sp>
-        <p:nvSpPr>
-          <p:cNvPr id="7" name="Shape 68"/>
-          <p:cNvSpPr/>
-          <p:nvPr/>
-        </p:nvSpPr>
-        <p:spPr>
-          <a:xfrm>
-            <a:off x="635000" y="2014995"/>
-            <a:ext cx="11489267" cy="3810000"/>
-          </a:xfrm>
-          <a:prstGeom prst="rect">
-            <a:avLst/>
-          </a:prstGeom>
-          <a:ln w="12700">
-            <a:round/>
-          </a:ln>
-          <a:extLst>
-            <a:ext uri="{C572A759-6A51-4108-AA02-DFA0A04FC94B}">
-              <ma14:wrappingTextBoxFlag xmlns:ma14="http://schemas.microsoft.com/office/mac/drawingml/2011/main" val="1"/>
-            </a:ext>
-          </a:extLst>
-        </p:spPr>
-        <p:txBody>
-          <a:bodyPr lIns="0" tIns="0" rIns="0" bIns="0"/>
-          <a:lstStyle/>
-          <a:p>
-            <a:pPr marL="177800" lvl="1" indent="-177800" defTabSz="647700">
-              <a:lnSpc>
-                <a:spcPct val="110000"/>
-              </a:lnSpc>
-              <a:spcBef>
-                <a:spcPts val="400"/>
-              </a:spcBef>
-              <a:buClrTx/>
-              <a:buSzPct val="85000"/>
-              <a:buFont typeface="Lucida Grande"/>
-              <a:buChar char="‣"/>
-              <a:defRPr sz="1800">
-                <a:solidFill>
-                  <a:srgbClr val="000000"/>
-                </a:solidFill>
-                <a:uFillTx/>
-              </a:defRPr>
-            </a:pPr>
-            <a:r>
-              <a:rPr lang="en-US" sz="2500" dirty="0" smtClean="0">
-                <a:uFill>
-                  <a:solidFill/>
-                </a:uFill>
-              </a:rPr>
-              <a:t>Class suggestions? Why?</a:t>
-            </a:r>
-          </a:p>
-          <a:p>
-            <a:pPr marL="177800" lvl="1" indent="-177800" defTabSz="647700">
-              <a:lnSpc>
-                <a:spcPct val="110000"/>
-              </a:lnSpc>
-              <a:spcBef>
-                <a:spcPts val="400"/>
-              </a:spcBef>
-              <a:buClrTx/>
-              <a:buSzPct val="85000"/>
-              <a:buFont typeface="Lucida Grande"/>
-              <a:buChar char="‣"/>
-              <a:defRPr sz="1800">
-                <a:solidFill>
-                  <a:srgbClr val="000000"/>
-                </a:solidFill>
-                <a:uFillTx/>
-              </a:defRPr>
-            </a:pPr>
-            <a:endParaRPr lang="en-US" sz="2500" dirty="0">
-              <a:uFill>
-                <a:solidFill/>
-              </a:uFill>
-            </a:endParaRPr>
-          </a:p>
-          <a:p>
-            <a:pPr marL="177800" lvl="1" indent="-177800" defTabSz="647700">
-              <a:lnSpc>
-                <a:spcPct val="110000"/>
-              </a:lnSpc>
-              <a:spcBef>
-                <a:spcPts val="400"/>
-              </a:spcBef>
-              <a:buClrTx/>
-              <a:buSzPct val="85000"/>
-              <a:buFont typeface="Lucida Grande"/>
-              <a:buChar char="‣"/>
-              <a:defRPr sz="1800">
-                <a:solidFill>
-                  <a:srgbClr val="000000"/>
-                </a:solidFill>
-                <a:uFillTx/>
-              </a:defRPr>
-            </a:pPr>
-            <a:r>
-              <a:rPr lang="en-US" sz="2500" dirty="0" smtClean="0">
-                <a:uFill>
-                  <a:solidFill/>
-                </a:uFill>
-              </a:rPr>
-              <a:t>From the standpoint of a company, why would you make it easier to access information you’ve worked hard to collect to make your product a success?</a:t>
-            </a:r>
-            <a:endParaRPr lang="en-US" sz="2500" dirty="0">
-              <a:uFill>
-                <a:solidFill/>
-              </a:uFill>
-            </a:endParaRPr>
-          </a:p>
-          <a:p>
-            <a:pPr marL="177800" lvl="1" indent="-177800" defTabSz="647700">
-              <a:lnSpc>
-                <a:spcPct val="110000"/>
-              </a:lnSpc>
-              <a:spcBef>
-                <a:spcPts val="400"/>
-              </a:spcBef>
-              <a:buClrTx/>
-              <a:buSzPct val="85000"/>
-              <a:buFont typeface="Lucida Grande"/>
-              <a:buChar char="‣"/>
-              <a:defRPr sz="1800">
-                <a:solidFill>
-                  <a:srgbClr val="000000"/>
-                </a:solidFill>
-                <a:uFillTx/>
-              </a:defRPr>
-            </a:pPr>
-            <a:endParaRPr lang="en-US" sz="2500" dirty="0">
-              <a:uFill>
-                <a:solidFill/>
-              </a:uFill>
-              <a:latin typeface="Courier" charset="0"/>
-              <a:ea typeface="Courier" charset="0"/>
-              <a:cs typeface="Courier" charset="0"/>
-            </a:endParaRPr>
-          </a:p>
-        </p:txBody>
-      </p:sp>
-    </p:spTree>
-    <p:extLst>
-      <p:ext uri="{BB962C8B-B14F-4D97-AF65-F5344CB8AC3E}">
-        <p14:creationId xmlns:p14="http://schemas.microsoft.com/office/powerpoint/2010/main" val="796453311"/>
-      </p:ext>
-    </p:extLst>
-  </p:cSld>
-  <p:clrMapOvr>
-    <a:masterClrMapping/>
-  </p:clrMapOvr>
-  <p:transition spd="med"/>
-  <p:timing>
-    <p:tnLst>
-      <p:par>
-        <p:cTn id="1" dur="indefinite" restart="never" nodeType="tmRoot"/>
-      </p:par>
-    </p:tnLst>
-  </p:timing>
-</p:sld>
-</file>
-
-<file path=ppt/slides/slide6.xml><?xml version="1.0" encoding="utf-8"?>
-<p:sld xmlns:a="http://schemas.openxmlformats.org/drawingml/2006/main" xmlns:r="http://schemas.openxmlformats.org/officeDocument/2006/relationships" xmlns:p="http://schemas.openxmlformats.org/presentationml/2006/main">
-  <p:cSld>
-    <p:spTree>
-      <p:nvGrpSpPr>
-        <p:cNvPr id="1" name=""/>
-        <p:cNvGrpSpPr/>
-        <p:nvPr/>
-      </p:nvGrpSpPr>
-      <p:grpSpPr>
-        <a:xfrm>
-          <a:off x="0" y="0"/>
-          <a:ext cx="0" cy="0"/>
-          <a:chOff x="0" y="0"/>
-          <a:chExt cx="0" cy="0"/>
-        </a:xfrm>
-      </p:grpSpPr>
-      <p:sp>
-        <p:nvSpPr>
-          <p:cNvPr id="131" name="Shape 131"/>
-          <p:cNvSpPr/>
-          <p:nvPr/>
-        </p:nvSpPr>
-        <p:spPr>
-          <a:xfrm>
-            <a:off x="635000" y="635000"/>
-            <a:ext cx="11734800" cy="11"/>
-          </a:xfrm>
-          <a:prstGeom prst="line">
-            <a:avLst/>
-          </a:prstGeom>
-          <a:ln w="12700">
-            <a:solidFill/>
-            <a:miter lim="400000"/>
-          </a:ln>
-        </p:spPr>
-        <p:txBody>
-          <a:bodyPr lIns="0" tIns="0" rIns="0" bIns="0"/>
-          <a:lstStyle/>
-          <a:p>
-            <a:pPr lvl="0" defTabSz="457200">
-              <a:buClrTx/>
-              <a:defRPr sz="1200">
-                <a:solidFill>
-                  <a:srgbClr val="000000"/>
-                </a:solidFill>
-                <a:uFillTx/>
-                <a:latin typeface="Helvetica"/>
-                <a:ea typeface="Helvetica"/>
-                <a:cs typeface="Helvetica"/>
-                <a:sym typeface="Helvetica"/>
-              </a:defRPr>
-            </a:pPr>
-            <a:endParaRPr/>
-          </a:p>
-        </p:txBody>
-      </p:sp>
-      <p:sp>
-        <p:nvSpPr>
-          <p:cNvPr id="132" name="Shape 132"/>
-          <p:cNvSpPr/>
-          <p:nvPr/>
-        </p:nvSpPr>
-        <p:spPr>
-          <a:xfrm>
-            <a:off x="635000" y="1219200"/>
-            <a:ext cx="11734800" cy="11"/>
-          </a:xfrm>
-          <a:prstGeom prst="line">
-            <a:avLst/>
-          </a:prstGeom>
-          <a:ln w="12700">
-            <a:solidFill/>
-            <a:miter lim="400000"/>
-          </a:ln>
-        </p:spPr>
-        <p:txBody>
-          <a:bodyPr lIns="0" tIns="0" rIns="0" bIns="0"/>
-          <a:lstStyle/>
-          <a:p>
-            <a:pPr lvl="0" defTabSz="457200">
-              <a:buClrTx/>
-              <a:defRPr sz="1200">
-                <a:solidFill>
-                  <a:srgbClr val="000000"/>
-                </a:solidFill>
-                <a:uFillTx/>
-                <a:latin typeface="Helvetica"/>
-                <a:ea typeface="Helvetica"/>
-                <a:cs typeface="Helvetica"/>
-                <a:sym typeface="Helvetica"/>
-              </a:defRPr>
-            </a:pPr>
-            <a:endParaRPr/>
-          </a:p>
-        </p:txBody>
-      </p:sp>
-      <p:sp>
-        <p:nvSpPr>
-          <p:cNvPr id="133" name="Shape 133"/>
-          <p:cNvSpPr/>
-          <p:nvPr/>
-        </p:nvSpPr>
-        <p:spPr>
-          <a:xfrm>
-            <a:off x="634999" y="736599"/>
-            <a:ext cx="9562958" cy="482611"/>
-          </a:xfrm>
-          <a:prstGeom prst="rect">
-            <a:avLst/>
-          </a:prstGeom>
-          <a:ln w="12700">
-            <a:round/>
-          </a:ln>
-          <a:extLst>
-            <a:ext uri="{C572A759-6A51-4108-AA02-DFA0A04FC94B}">
-              <ma14:wrappingTextBoxFlag xmlns:ma14="http://schemas.microsoft.com/office/mac/drawingml/2011/main" val="1"/>
-            </a:ext>
-          </a:extLst>
-        </p:spPr>
-        <p:txBody>
-          <a:bodyPr lIns="0" tIns="0" rIns="0" bIns="0"/>
-          <a:lstStyle>
-            <a:lvl1pPr defTabSz="647700">
-              <a:lnSpc>
-                <a:spcPts val="3200"/>
-              </a:lnSpc>
-              <a:buClr>
-                <a:srgbClr val="000000"/>
-              </a:buClr>
-              <a:buFont typeface="PFDinTextCompPro-Regular"/>
-              <a:defRPr sz="2800" b="1" cap="all" spc="-56">
-                <a:solidFill>
-                  <a:srgbClr val="000000"/>
-                </a:solidFill>
-                <a:uFill>
-                  <a:solidFill>
-                    <a:srgbClr val="000000"/>
-                  </a:solidFill>
-                </a:uFill>
-                <a:latin typeface="+mj-lt"/>
-                <a:ea typeface="+mj-ea"/>
-                <a:cs typeface="+mj-cs"/>
-                <a:sym typeface="PFDinTextCompPro-Regular"/>
-              </a:defRPr>
-            </a:lvl1pPr>
-          </a:lstStyle>
-          <a:p>
-            <a:pPr lvl="0">
-              <a:defRPr sz="1800" b="0" cap="none" spc="0">
-                <a:uFillTx/>
-              </a:defRPr>
-            </a:pPr>
-            <a:r>
-              <a:rPr lang="en-US" sz="2800" b="1" cap="all" spc="-56" dirty="0" smtClean="0">
-                <a:uFill>
-                  <a:solidFill/>
-                </a:uFill>
-              </a:rPr>
-              <a:t>Why are APIs valuable?</a:t>
-            </a:r>
-            <a:endParaRPr sz="2800" b="1" cap="all" spc="-56" dirty="0">
-              <a:uFill>
-                <a:solidFill/>
-              </a:uFill>
-            </a:endParaRPr>
-          </a:p>
-        </p:txBody>
-      </p:sp>
-      <p:sp>
-        <p:nvSpPr>
-          <p:cNvPr id="10" name="Shape 86"/>
-          <p:cNvSpPr/>
-          <p:nvPr/>
-        </p:nvSpPr>
-        <p:spPr>
-          <a:xfrm>
-            <a:off x="851903" y="1648903"/>
-            <a:ext cx="9346054" cy="5124430"/>
-          </a:xfrm>
-          <a:prstGeom prst="rect">
-            <a:avLst/>
-          </a:prstGeom>
-          <a:ln w="12700">
-            <a:round/>
-          </a:ln>
-          <a:extLst>
-            <a:ext uri="{C572A759-6A51-4108-AA02-DFA0A04FC94B}">
-              <ma14:wrappingTextBoxFlag xmlns:ma14="http://schemas.microsoft.com/office/mac/drawingml/2011/main" val="1"/>
-            </a:ext>
-          </a:extLst>
-        </p:spPr>
-        <p:txBody>
-          <a:bodyPr lIns="0" tIns="0" rIns="0" bIns="0"/>
-          <a:lstStyle/>
-          <a:p>
-            <a:pPr marL="177800" lvl="5" indent="-177800" defTabSz="647700">
-              <a:lnSpc>
-                <a:spcPct val="110000"/>
-              </a:lnSpc>
-              <a:spcBef>
-                <a:spcPts val="400"/>
-              </a:spcBef>
-              <a:buClrTx/>
-              <a:buSzPct val="85000"/>
-              <a:buFont typeface="Lucida Grande"/>
-              <a:buChar char="‣"/>
-              <a:defRPr sz="1800">
-                <a:solidFill>
-                  <a:srgbClr val="000000"/>
-                </a:solidFill>
-                <a:uFillTx/>
-              </a:defRPr>
-            </a:pPr>
-            <a:endParaRPr lang="en-US" sz="3200" dirty="0" smtClean="0">
+            <a:endParaRPr lang="en-US" sz="3200" dirty="0">
               <a:uFill>
                 <a:solidFill/>
               </a:uFill>
@@ -3981,7 +3511,7 @@
           </a:ln>
           <a:extLst>
             <a:ext uri="{C572A759-6A51-4108-AA02-DFA0A04FC94B}">
-              <ma14:wrappingTextBoxFlag xmlns:ma14="http://schemas.microsoft.com/office/mac/drawingml/2011/main" val="1"/>
+              <ma14:wrappingTextBoxFlag xmlns:ma14="http://schemas.microsoft.com/office/mac/drawingml/2011/main" xmlns="" val="1"/>
             </a:ext>
           </a:extLst>
         </p:spPr>
@@ -4013,18 +3543,10 @@
                   <a:solidFill/>
                 </a:uFill>
               </a:rPr>
-              <a:t>APIs are channel to new customers and </a:t>
+              <a:t>APIs are channel to new customers and markets: </a:t>
             </a:r>
             <a:r>
-              <a:rPr lang="en-US" sz="2500" b="1" dirty="0" smtClean="0">
-                <a:uFill>
-                  <a:solidFill/>
-                </a:uFill>
-              </a:rPr>
-              <a:t>markets: </a:t>
-            </a:r>
-            <a:r>
-              <a:rPr lang="en-US" sz="2500" dirty="0" smtClean="0">
+              <a:rPr lang="en-US" sz="2500" dirty="0">
                 <a:uFill>
                   <a:solidFill/>
                 </a:uFill>
@@ -4051,7 +3573,7 @@
                 <a:uFillTx/>
               </a:defRPr>
             </a:pPr>
-            <a:endParaRPr lang="en-US" sz="2500" dirty="0" smtClean="0">
+            <a:endParaRPr lang="en-US" sz="2500" dirty="0">
               <a:uFill>
                 <a:solidFill/>
               </a:uFill>
@@ -4085,7 +3607,7 @@
               <a:t>APIs can be private: </a:t>
             </a:r>
             <a:r>
-              <a:rPr lang="en-US" sz="2500" dirty="0" smtClean="0">
+              <a:rPr lang="en-US" sz="2500" dirty="0">
                 <a:uFill>
                   <a:solidFill/>
                 </a:uFill>
@@ -4112,7 +3634,7 @@
                 <a:uFillTx/>
               </a:defRPr>
             </a:pPr>
-            <a:endParaRPr lang="en-US" sz="2500" dirty="0" smtClean="0">
+            <a:endParaRPr lang="en-US" sz="2500" dirty="0">
               <a:uFill>
                 <a:solidFill/>
               </a:uFill>
@@ -4146,7 +3668,7 @@
               <a:t>APIs promote innovation: </a:t>
             </a:r>
             <a:r>
-              <a:rPr lang="en-US" sz="2500" dirty="0" smtClean="0">
+              <a:rPr lang="en-US" sz="2500" dirty="0">
                 <a:uFill>
                   <a:solidFill/>
                 </a:uFill>
@@ -4154,7 +3676,7 @@
               <a:t>Third party developers build on top of your service, and your service may learn and make these features default (</a:t>
             </a:r>
             <a:r>
-              <a:rPr lang="en-US" sz="2500" dirty="0" err="1" smtClean="0">
+              <a:rPr lang="en-US" sz="2500" dirty="0" err="1">
                 <a:uFill>
                   <a:solidFill/>
                 </a:uFill>
@@ -4162,7 +3684,7 @@
               <a:t>FollowerWonk</a:t>
             </a:r>
             <a:r>
-              <a:rPr lang="en-US" sz="2500" dirty="0" smtClean="0">
+              <a:rPr lang="en-US" sz="2500" dirty="0">
                 <a:uFill>
                   <a:solidFill/>
                 </a:uFill>
@@ -4189,7 +3711,7 @@
                 <a:uFillTx/>
               </a:defRPr>
             </a:pPr>
-            <a:endParaRPr lang="en-US" sz="2500" dirty="0" smtClean="0">
+            <a:endParaRPr lang="en-US" sz="2500" dirty="0">
               <a:uFill>
                 <a:solidFill/>
               </a:uFill>
@@ -4215,7 +3737,7 @@
               </a:defRPr>
             </a:pPr>
             <a:r>
-              <a:rPr lang="en-US" sz="2500" b="1" dirty="0" smtClean="0">
+              <a:rPr lang="en-US" sz="2500" b="1" dirty="0">
                 <a:uFill>
                   <a:solidFill/>
                 </a:uFill>
@@ -4223,14 +3745,14 @@
               <a:t>APIs retain current users:</a:t>
             </a:r>
             <a:r>
-              <a:rPr lang="en-US" sz="2500" dirty="0" smtClean="0">
+              <a:rPr lang="en-US" sz="2500" dirty="0">
                 <a:uFill>
                   <a:solidFill/>
                 </a:uFill>
               </a:rPr>
               <a:t> By continually providing value to current users or making your platform the default for, say, mapping the world, your service becomes harder to displace (Google Maps, sign in with FB)</a:t>
             </a:r>
-            <a:endParaRPr lang="en-US" sz="2500" b="1" dirty="0" smtClean="0">
+            <a:endParaRPr lang="en-US" sz="2500" b="1" dirty="0">
               <a:uFill>
                 <a:solidFill/>
               </a:uFill>
@@ -4255,7 +3777,7 @@
                 <a:uFillTx/>
               </a:defRPr>
             </a:pPr>
-            <a:endParaRPr lang="en-US" sz="2500" dirty="0" smtClean="0">
+            <a:endParaRPr lang="en-US" sz="2500" dirty="0">
               <a:uFill>
                 <a:solidFill/>
               </a:uFill>
@@ -4302,13 +3824,6 @@
     <a:masterClrMapping/>
   </p:clrMapOvr>
   <p:transition spd="med"/>
-  <p:timing>
-    <p:tnLst>
-      <p:par>
-        <p:cTn id="1" dur="indefinite" restart="never" nodeType="tmRoot"/>
-      </p:par>
-    </p:tnLst>
-  </p:timing>
 </p:sld>
 </file>
 
